--- a/Documentation/behavior lab jayway.pptx
+++ b/Documentation/behavior lab jayway.pptx
@@ -234,7 +234,7 @@
             <a:fld id="{7FF124E7-E08C-4A1F-B4FC-72D6609097A9}" type="datetimeFigureOut">
               <a:rPr lang="en-US" smtClean="0"/>
               <a:pPr/>
-              <a:t>3/12/2013</a:t>
+              <a:t>3/13/2013</a:t>
             </a:fld>
             <a:endParaRPr lang="en-US"/>
           </a:p>
@@ -401,7 +401,7 @@
             <a:fld id="{C754077B-E038-4881-9183-8AE27FD3E7C1}" type="datetimeFigureOut">
               <a:rPr lang="en-US" smtClean="0"/>
               <a:pPr/>
-              <a:t>3/12/2013</a:t>
+              <a:t>3/13/2013</a:t>
             </a:fld>
             <a:endParaRPr lang="en-US"/>
           </a:p>
@@ -1190,7 +1190,7 @@
           <a:p>
             <a:fld id="{BB2F15DA-CD26-4F10-A17A-669B0BE31A12}" type="datetime1">
               <a:rPr lang="sv-SE" smtClean="0"/>
-              <a:t>2013-03-12</a:t>
+              <a:t>2013-03-13</a:t>
             </a:fld>
             <a:endParaRPr lang="en-US" dirty="0"/>
           </a:p>
@@ -1431,7 +1431,7 @@
           <a:p>
             <a:fld id="{BF7D7031-45D4-4926-932E-6F44239CD5BE}" type="datetime1">
               <a:rPr lang="sv-SE" smtClean="0"/>
-              <a:t>2013-03-12</a:t>
+              <a:t>2013-03-13</a:t>
             </a:fld>
             <a:endParaRPr lang="en-US"/>
           </a:p>
@@ -1672,7 +1672,7 @@
           <a:p>
             <a:fld id="{E1107469-0E63-45AD-82AB-6878B61403D7}" type="datetime1">
               <a:rPr lang="sv-SE" smtClean="0"/>
-              <a:t>2013-03-12</a:t>
+              <a:t>2013-03-13</a:t>
             </a:fld>
             <a:endParaRPr lang="en-US"/>
           </a:p>
@@ -2524,7 +2524,7 @@
           <a:p>
             <a:fld id="{0138D373-B218-4ABB-A23B-B4E288587143}" type="datetime1">
               <a:rPr lang="sv-SE" smtClean="0"/>
-              <a:t>2013-03-12</a:t>
+              <a:t>2013-03-13</a:t>
             </a:fld>
             <a:endParaRPr lang="en-US"/>
           </a:p>
@@ -2713,7 +2713,7 @@
           <a:p>
             <a:fld id="{6304F3B4-786D-4A21-8A4B-CB2908F0DF2A}" type="datetime1">
               <a:rPr lang="sv-SE" smtClean="0"/>
-              <a:t>2013-03-12</a:t>
+              <a:t>2013-03-13</a:t>
             </a:fld>
             <a:endParaRPr lang="en-US"/>
           </a:p>
@@ -3007,7 +3007,7 @@
           <a:p>
             <a:fld id="{96701F8D-F9AE-40A4-9E3F-8179E4F6EB7F}" type="datetime1">
               <a:rPr lang="sv-SE" smtClean="0"/>
-              <a:t>2013-03-12</a:t>
+              <a:t>2013-03-13</a:t>
             </a:fld>
             <a:endParaRPr lang="en-US"/>
           </a:p>
@@ -3170,7 +3170,7 @@
           <a:p>
             <a:fld id="{B6EDA5A2-2229-4195-B779-AC8887551CA9}" type="datetime1">
               <a:rPr lang="sv-SE" smtClean="0"/>
-              <a:t>2013-03-12</a:t>
+              <a:t>2013-03-13</a:t>
             </a:fld>
             <a:endParaRPr lang="en-US"/>
           </a:p>
@@ -3378,7 +3378,7 @@
           <a:p>
             <a:fld id="{7B78EC91-18F0-438E-82D6-612BE058332E}" type="datetime1">
               <a:rPr lang="sv-SE" smtClean="0"/>
-              <a:t>2013-03-12</a:t>
+              <a:t>2013-03-13</a:t>
             </a:fld>
             <a:endParaRPr lang="en-US"/>
           </a:p>
@@ -3829,7 +3829,7 @@
           <a:p>
             <a:fld id="{C7FE8BB7-FDC7-44CE-A088-E22F788EE23C}" type="datetime1">
               <a:rPr lang="sv-SE" smtClean="0"/>
-              <a:t>2013-03-12</a:t>
+              <a:t>2013-03-13</a:t>
             </a:fld>
             <a:endParaRPr lang="en-US"/>
           </a:p>
@@ -3925,7 +3925,7 @@
           <a:p>
             <a:fld id="{EB6EE6DF-F95C-4D95-BC06-A14C6431D141}" type="datetime1">
               <a:rPr lang="sv-SE" smtClean="0"/>
-              <a:t>2013-03-12</a:t>
+              <a:t>2013-03-13</a:t>
             </a:fld>
             <a:endParaRPr lang="en-US"/>
           </a:p>
@@ -4204,7 +4204,7 @@
             <a:fld id="{8149B227-7C22-4D7C-87D3-8A25707A5B3D}" type="datetime1">
               <a:rPr lang="sv-SE" smtClean="0"/>
               <a:pPr/>
-              <a:t>2013-03-12</a:t>
+              <a:t>2013-03-13</a:t>
             </a:fld>
             <a:endParaRPr lang="en-US" dirty="0"/>
           </a:p>
@@ -4421,7 +4421,7 @@
           <a:p>
             <a:fld id="{8149B227-7C22-4D7C-87D3-8A25707A5B3D}" type="datetime1">
               <a:rPr lang="sv-SE" smtClean="0"/>
-              <a:t>2013-03-12</a:t>
+              <a:t>2013-03-13</a:t>
             </a:fld>
             <a:endParaRPr lang="en-US" dirty="0"/>
           </a:p>
@@ -4638,7 +4638,7 @@
           <a:p>
             <a:fld id="{8149B227-7C22-4D7C-87D3-8A25707A5B3D}" type="datetime1">
               <a:rPr lang="sv-SE" smtClean="0"/>
-              <a:t>2013-03-12</a:t>
+              <a:t>2013-03-13</a:t>
             </a:fld>
             <a:endParaRPr lang="en-US" dirty="0"/>
           </a:p>
@@ -4855,7 +4855,7 @@
           <a:p>
             <a:fld id="{8149B227-7C22-4D7C-87D3-8A25707A5B3D}" type="datetime1">
               <a:rPr lang="sv-SE" smtClean="0"/>
-              <a:t>2013-03-12</a:t>
+              <a:t>2013-03-13</a:t>
             </a:fld>
             <a:endParaRPr lang="en-US" dirty="0"/>
           </a:p>
@@ -5072,7 +5072,7 @@
           <a:p>
             <a:fld id="{8149B227-7C22-4D7C-87D3-8A25707A5B3D}" type="datetime1">
               <a:rPr lang="sv-SE" smtClean="0"/>
-              <a:t>2013-03-12</a:t>
+              <a:t>2013-03-13</a:t>
             </a:fld>
             <a:endParaRPr lang="en-US" dirty="0"/>
           </a:p>
@@ -5289,7 +5289,7 @@
           <a:p>
             <a:fld id="{473B9B78-5BE3-4D5E-96C7-641B79BFB780}" type="datetime1">
               <a:rPr lang="sv-SE" smtClean="0"/>
-              <a:t>2013-03-12</a:t>
+              <a:t>2013-03-13</a:t>
             </a:fld>
             <a:endParaRPr lang="en-US" dirty="0"/>
           </a:p>
@@ -5409,7 +5409,7 @@
           <a:p>
             <a:fld id="{74EE0B27-396F-4399-A5C3-F89247484EDC}" type="datetime1">
               <a:rPr lang="sv-SE" smtClean="0"/>
-              <a:t>2013-03-12</a:t>
+              <a:t>2013-03-13</a:t>
             </a:fld>
             <a:endParaRPr lang="en-US" dirty="0"/>
           </a:p>
@@ -5601,7 +5601,7 @@
           <a:p>
             <a:fld id="{69ECEFFC-5899-414D-A895-DB8CD819531D}" type="datetime1">
               <a:rPr lang="sv-SE" smtClean="0"/>
-              <a:t>2013-03-12</a:t>
+              <a:t>2013-03-13</a:t>
             </a:fld>
             <a:endParaRPr lang="en-US" dirty="0"/>
           </a:p>
@@ -5935,7 +5935,7 @@
           <a:p>
             <a:fld id="{8C30DF56-5AFC-4D1F-A64B-10876D9B5A32}" type="datetime1">
               <a:rPr lang="sv-SE" smtClean="0"/>
-              <a:t>2013-03-12</a:t>
+              <a:t>2013-03-13</a:t>
             </a:fld>
             <a:endParaRPr lang="en-US" dirty="0"/>
           </a:p>
@@ -6434,7 +6434,7 @@
           <a:p>
             <a:fld id="{B50428A0-1002-4CB5-8581-CA0CD0B3AFF3}" type="datetime1">
               <a:rPr lang="sv-SE" smtClean="0"/>
-              <a:t>2013-03-12</a:t>
+              <a:t>2013-03-13</a:t>
             </a:fld>
             <a:endParaRPr lang="en-US" dirty="0"/>
           </a:p>
@@ -6530,7 +6530,7 @@
           <a:p>
             <a:fld id="{5D7E495D-B5D6-4A52-AEA7-47196AFA98DE}" type="datetime1">
               <a:rPr lang="sv-SE" smtClean="0"/>
-              <a:t>2013-03-12</a:t>
+              <a:t>2013-03-13</a:t>
             </a:fld>
             <a:endParaRPr lang="en-US" dirty="0"/>
           </a:p>
@@ -6832,7 +6832,7 @@
           <a:p>
             <a:fld id="{BF7D7031-45D4-4926-932E-6F44239CD5BE}" type="datetime1">
               <a:rPr lang="sv-SE" smtClean="0"/>
-              <a:t>2013-03-12</a:t>
+              <a:t>2013-03-13</a:t>
             </a:fld>
             <a:endParaRPr lang="en-US"/>
           </a:p>
@@ -7201,7 +7201,7 @@
           <a:p>
             <a:fld id="{80A7162C-D27F-401C-977B-08D8D142632F}" type="datetime1">
               <a:rPr lang="sv-SE" smtClean="0"/>
-              <a:t>2013-03-12</a:t>
+              <a:t>2013-03-13</a:t>
             </a:fld>
             <a:endParaRPr lang="en-US" dirty="0"/>
           </a:p>
@@ -7740,7 +7740,7 @@
           <a:p>
             <a:fld id="{3712D359-8E67-4AAC-A073-790C6B99EA2E}" type="datetime1">
               <a:rPr lang="sv-SE" smtClean="0"/>
-              <a:t>2013-03-12</a:t>
+              <a:t>2013-03-13</a:t>
             </a:fld>
             <a:endParaRPr lang="en-US"/>
           </a:p>
@@ -8482,11 +8482,7 @@
             </a:pPr>
             <a:r>
               <a:rPr lang="en-US" dirty="0" smtClean="0"/>
-              <a:t>Watch </a:t>
-            </a:r>
-            <a:r>
-              <a:rPr lang="en-US" dirty="0" smtClean="0"/>
-              <a:t>out for the spelling. </a:t>
+              <a:t>Watch out for the spelling. </a:t>
             </a:r>
           </a:p>
           <a:p>
@@ -8496,11 +8492,7 @@
             </a:pPr>
             <a:r>
               <a:rPr lang="en-US" dirty="0" smtClean="0"/>
-              <a:t>Use the American spelling “behavior” not the </a:t>
-            </a:r>
-            <a:r>
-              <a:rPr lang="en-US" dirty="0" smtClean="0"/>
-              <a:t>British “</a:t>
+              <a:t>Use the American spelling “behavior” not the British “</a:t>
             </a:r>
             <a:r>
               <a:rPr lang="en-US" dirty="0" err="1" smtClean="0"/>
@@ -8671,7 +8663,6 @@
               <a:rPr lang="en-US" dirty="0" smtClean="0"/>
               <a:t> or direct in XAML</a:t>
             </a:r>
-            <a:endParaRPr lang="en-US" dirty="0" smtClean="0"/>
           </a:p>
           <a:p>
             <a:pPr marL="857250" lvl="1" indent="-457200">
@@ -8698,7 +8689,6 @@
               <a:rPr lang="en-US" dirty="0" smtClean="0"/>
               <a:t> knowing what object is in use.</a:t>
             </a:r>
-            <a:endParaRPr lang="en-US" dirty="0" smtClean="0"/>
           </a:p>
         </p:txBody>
       </p:sp>
@@ -8809,7 +8799,6 @@
               <a:rPr lang="en-US" dirty="0" smtClean="0"/>
               <a:t>Static</a:t>
             </a:r>
-            <a:endParaRPr lang="en-US" dirty="0" smtClean="0"/>
           </a:p>
           <a:p>
             <a:pPr marL="857250" lvl="1" indent="-457200">
@@ -8976,7 +8965,31 @@
         <p:spPr>
           <a:xfrm>
             <a:off x="333375" y="1481137"/>
-            <a:ext cx="8477250" cy="3895725"/>
+            <a:ext cx="7118945" cy="3271515"/>
+          </a:xfrm>
+          <a:prstGeom prst="rect">
+            <a:avLst/>
+          </a:prstGeom>
+        </p:spPr>
+      </p:pic>
+      <p:pic>
+        <p:nvPicPr>
+          <p:cNvPr id="3" name="Picture 2"/>
+          <p:cNvPicPr>
+            <a:picLocks noChangeAspect="1"/>
+          </p:cNvPicPr>
+          <p:nvPr/>
+        </p:nvPicPr>
+        <p:blipFill>
+          <a:blip r:embed="rId4"/>
+          <a:stretch>
+            <a:fillRect/>
+          </a:stretch>
+        </p:blipFill>
+        <p:spPr>
+          <a:xfrm>
+            <a:off x="333375" y="5157192"/>
+            <a:ext cx="7191375" cy="304800"/>
           </a:xfrm>
           <a:prstGeom prst="rect">
             <a:avLst/>
@@ -9076,7 +9089,31 @@
         <p:spPr>
           <a:xfrm>
             <a:off x="457199" y="1435350"/>
-            <a:ext cx="5788643" cy="2065657"/>
+            <a:ext cx="6563073" cy="2342010"/>
+          </a:xfrm>
+          <a:prstGeom prst="rect">
+            <a:avLst/>
+          </a:prstGeom>
+        </p:spPr>
+      </p:pic>
+      <p:pic>
+        <p:nvPicPr>
+          <p:cNvPr id="3" name="Picture 2"/>
+          <p:cNvPicPr>
+            <a:picLocks noChangeAspect="1"/>
+          </p:cNvPicPr>
+          <p:nvPr/>
+        </p:nvPicPr>
+        <p:blipFill>
+          <a:blip r:embed="rId4"/>
+          <a:stretch>
+            <a:fillRect/>
+          </a:stretch>
+        </p:blipFill>
+        <p:spPr>
+          <a:xfrm>
+            <a:off x="457199" y="3861048"/>
+            <a:ext cx="6563073" cy="1913174"/>
           </a:xfrm>
           <a:prstGeom prst="rect">
             <a:avLst/>
@@ -9211,7 +9248,6 @@
               <a:rPr lang="en-US" dirty="0" smtClean="0"/>
               <a:t>Helps keep MVVM pattern</a:t>
             </a:r>
-            <a:endParaRPr lang="en-US" dirty="0" smtClean="0"/>
           </a:p>
         </p:txBody>
       </p:sp>
@@ -9494,13 +9530,13 @@
   <p:clrMapOvr>
     <a:masterClrMapping/>
   </p:clrMapOvr>
-  <mc:AlternateContent xmlns:mc="http://schemas.openxmlformats.org/markup-compatibility/2006">
-    <mc:Choice xmlns:p14="http://schemas.microsoft.com/office/powerpoint/2010/main" Requires="p14">
+  <mc:AlternateContent xmlns:mc="http://schemas.openxmlformats.org/markup-compatibility/2006" xmlns:p14="http://schemas.microsoft.com/office/powerpoint/2010/main">
+    <mc:Choice Requires="p14">
       <p:transition p14:dur="300">
         <p:fade/>
       </p:transition>
     </mc:Choice>
-    <mc:Fallback>
+    <mc:Fallback xmlns="">
       <p:transition>
         <p:fade/>
       </p:transition>
